--- a/Презентация.pptx
+++ b/Презентация.pptx
@@ -10,9 +10,9 @@
     <p:sldId id="258" r:id="rId4"/>
     <p:sldId id="259" r:id="rId5"/>
     <p:sldId id="261" r:id="rId6"/>
-    <p:sldId id="260" r:id="rId7"/>
-    <p:sldId id="262" r:id="rId8"/>
-    <p:sldId id="263" r:id="rId9"/>
+    <p:sldId id="264" r:id="rId7"/>
+    <p:sldId id="260" r:id="rId8"/>
+    <p:sldId id="262" r:id="rId9"/>
   </p:sldIdLst>
   <p:sldSz cx="12192000" cy="6858000"/>
   <p:notesSz cx="6858000" cy="9144000"/>
@@ -119,6 +119,10 @@
 </p:presentation>
 </file>
 
+<file path=ppt/revisionInfo.xml><?xml version="1.0" encoding="utf-8"?>
+<p1510:revInfo xmlns:a="http://schemas.openxmlformats.org/drawingml/2006/main" xmlns:r="http://schemas.openxmlformats.org/officeDocument/2006/relationships" xmlns:p1510="http://schemas.microsoft.com/office/powerpoint/2015/10/main"/>
+</file>
+
 <file path=ppt/slideLayouts/slideLayout1.xml><?xml version="1.0" encoding="utf-8"?>
 <p:sldLayout xmlns:a="http://schemas.openxmlformats.org/drawingml/2006/main" xmlns:r="http://schemas.openxmlformats.org/officeDocument/2006/relationships" xmlns:p="http://schemas.openxmlformats.org/presentationml/2006/main" type="title" preserve="1">
   <p:cSld name="Титульный слайд">
@@ -266,7 +270,7 @@
           <a:p>
             <a:fld id="{EC9C4473-B763-498A-AFDB-EC8E77BCF3C5}" type="datetimeFigureOut">
               <a:rPr lang="ru-RU" smtClean="0"/>
-              <a:t>30.06.2019</a:t>
+              <a:t>02.07.2019</a:t>
             </a:fld>
             <a:endParaRPr lang="ru-RU"/>
           </a:p>
@@ -464,7 +468,7 @@
           <a:p>
             <a:fld id="{EC9C4473-B763-498A-AFDB-EC8E77BCF3C5}" type="datetimeFigureOut">
               <a:rPr lang="ru-RU" smtClean="0"/>
-              <a:t>30.06.2019</a:t>
+              <a:t>02.07.2019</a:t>
             </a:fld>
             <a:endParaRPr lang="ru-RU"/>
           </a:p>
@@ -672,7 +676,7 @@
           <a:p>
             <a:fld id="{EC9C4473-B763-498A-AFDB-EC8E77BCF3C5}" type="datetimeFigureOut">
               <a:rPr lang="ru-RU" smtClean="0"/>
-              <a:t>30.06.2019</a:t>
+              <a:t>02.07.2019</a:t>
             </a:fld>
             <a:endParaRPr lang="ru-RU"/>
           </a:p>
@@ -870,7 +874,7 @@
           <a:p>
             <a:fld id="{EC9C4473-B763-498A-AFDB-EC8E77BCF3C5}" type="datetimeFigureOut">
               <a:rPr lang="ru-RU" smtClean="0"/>
-              <a:t>30.06.2019</a:t>
+              <a:t>02.07.2019</a:t>
             </a:fld>
             <a:endParaRPr lang="ru-RU"/>
           </a:p>
@@ -1145,7 +1149,7 @@
           <a:p>
             <a:fld id="{EC9C4473-B763-498A-AFDB-EC8E77BCF3C5}" type="datetimeFigureOut">
               <a:rPr lang="ru-RU" smtClean="0"/>
-              <a:t>30.06.2019</a:t>
+              <a:t>02.07.2019</a:t>
             </a:fld>
             <a:endParaRPr lang="ru-RU"/>
           </a:p>
@@ -1410,7 +1414,7 @@
           <a:p>
             <a:fld id="{EC9C4473-B763-498A-AFDB-EC8E77BCF3C5}" type="datetimeFigureOut">
               <a:rPr lang="ru-RU" smtClean="0"/>
-              <a:t>30.06.2019</a:t>
+              <a:t>02.07.2019</a:t>
             </a:fld>
             <a:endParaRPr lang="ru-RU"/>
           </a:p>
@@ -1822,7 +1826,7 @@
           <a:p>
             <a:fld id="{EC9C4473-B763-498A-AFDB-EC8E77BCF3C5}" type="datetimeFigureOut">
               <a:rPr lang="ru-RU" smtClean="0"/>
-              <a:t>30.06.2019</a:t>
+              <a:t>02.07.2019</a:t>
             </a:fld>
             <a:endParaRPr lang="ru-RU"/>
           </a:p>
@@ -1963,7 +1967,7 @@
           <a:p>
             <a:fld id="{EC9C4473-B763-498A-AFDB-EC8E77BCF3C5}" type="datetimeFigureOut">
               <a:rPr lang="ru-RU" smtClean="0"/>
-              <a:t>30.06.2019</a:t>
+              <a:t>02.07.2019</a:t>
             </a:fld>
             <a:endParaRPr lang="ru-RU"/>
           </a:p>
@@ -2076,7 +2080,7 @@
           <a:p>
             <a:fld id="{EC9C4473-B763-498A-AFDB-EC8E77BCF3C5}" type="datetimeFigureOut">
               <a:rPr lang="ru-RU" smtClean="0"/>
-              <a:t>30.06.2019</a:t>
+              <a:t>02.07.2019</a:t>
             </a:fld>
             <a:endParaRPr lang="ru-RU"/>
           </a:p>
@@ -2387,7 +2391,7 @@
           <a:p>
             <a:fld id="{EC9C4473-B763-498A-AFDB-EC8E77BCF3C5}" type="datetimeFigureOut">
               <a:rPr lang="ru-RU" smtClean="0"/>
-              <a:t>30.06.2019</a:t>
+              <a:t>02.07.2019</a:t>
             </a:fld>
             <a:endParaRPr lang="ru-RU"/>
           </a:p>
@@ -2675,7 +2679,7 @@
           <a:p>
             <a:fld id="{EC9C4473-B763-498A-AFDB-EC8E77BCF3C5}" type="datetimeFigureOut">
               <a:rPr lang="ru-RU" smtClean="0"/>
-              <a:t>30.06.2019</a:t>
+              <a:t>02.07.2019</a:t>
             </a:fld>
             <a:endParaRPr lang="ru-RU"/>
           </a:p>
@@ -2916,7 +2920,7 @@
           <a:p>
             <a:fld id="{EC9C4473-B763-498A-AFDB-EC8E77BCF3C5}" type="datetimeFigureOut">
               <a:rPr lang="ru-RU" smtClean="0"/>
-              <a:t>30.06.2019</a:t>
+              <a:t>02.07.2019</a:t>
             </a:fld>
             <a:endParaRPr lang="ru-RU"/>
           </a:p>
@@ -3347,8 +3351,8 @@
         </p:nvSpPr>
         <p:spPr>
           <a:xfrm>
-            <a:off x="869731" y="2167116"/>
-            <a:ext cx="10452538" cy="4001095"/>
+            <a:off x="857031" y="1659116"/>
+            <a:ext cx="10452538" cy="3139321"/>
           </a:xfrm>
           <a:prstGeom prst="rect">
             <a:avLst/>
@@ -3401,41 +3405,13 @@
             </a:r>
           </a:p>
           <a:p>
+            <a:endParaRPr lang="ru-RU" sz="2000" dirty="0"/>
+          </a:p>
+          <a:p>
             <a:r>
               <a:rPr lang="ru-RU" sz="2000" dirty="0"/>
-              <a:t>Основные за</a:t>
-            </a:r>
-          </a:p>
-          <a:p>
-            <a:endParaRPr lang="ru-RU" sz="2000" dirty="0"/>
-          </a:p>
-          <a:p>
-            <a:r>
-              <a:rPr lang="ru-RU" dirty="0" err="1"/>
-              <a:t>дашборд</a:t>
-            </a:r>
-            <a:r>
-              <a:rPr lang="ru-RU" dirty="0"/>
-              <a:t> с объяснением почему взяли именно такие метрики и что они дадут бизнес-заказчику (и какому бизнес-заказчику: маркетологу, </a:t>
-            </a:r>
-            <a:r>
-              <a:rPr lang="ru-RU" dirty="0" err="1"/>
-              <a:t>финдиру</a:t>
-            </a:r>
-            <a:r>
-              <a:rPr lang="ru-RU" dirty="0"/>
-              <a:t>, гендиру и т.д.)</a:t>
-            </a:r>
-          </a:p>
-          <a:p>
-            <a:endParaRPr lang="ru-RU" sz="2000" dirty="0"/>
-          </a:p>
-          <a:p>
-            <a:r>
-              <a:rPr lang="ru-RU" dirty="0"/>
-              <a:t>аргументированное описание примененного подхода к анализу данных</a:t>
-            </a:r>
-            <a:endParaRPr lang="ru-RU" sz="2000" dirty="0"/>
+              <a:t>Увеличение любого из показателей, которые я использовал позволят напрямую увеличить оборот и соответственно прибыль компании.</a:t>
+            </a:r>
           </a:p>
           <a:p>
             <a:endParaRPr lang="ru-RU" dirty="0"/>
@@ -3906,7 +3882,10 @@
           <a:bodyPr/>
           <a:lstStyle/>
           <a:p>
-            <a:endParaRPr lang="ru-RU"/>
+            <a:r>
+              <a:rPr lang="ru-RU" dirty="0"/>
+              <a:t>Точки роста: продажи по регионам</a:t>
+            </a:r>
           </a:p>
         </p:txBody>
       </p:sp>
@@ -3972,6 +3951,41 @@
           </a:prstGeom>
         </p:spPr>
       </p:pic>
+      <p:sp>
+        <p:nvSpPr>
+          <p:cNvPr id="3" name="TextBox 2">
+            <a:extLst>
+              <a:ext uri="{FF2B5EF4-FFF2-40B4-BE49-F238E27FC236}">
+                <a16:creationId xmlns:a16="http://schemas.microsoft.com/office/drawing/2014/main" id="{7E6DEA5F-3579-4D4D-9421-E720812E0597}"/>
+              </a:ext>
+            </a:extLst>
+          </p:cNvPr>
+          <p:cNvSpPr txBox="1"/>
+          <p:nvPr/>
+        </p:nvSpPr>
+        <p:spPr>
+          <a:xfrm>
+            <a:off x="1104900" y="1587500"/>
+            <a:ext cx="9925050" cy="646331"/>
+          </a:xfrm>
+          <a:prstGeom prst="rect">
+            <a:avLst/>
+          </a:prstGeom>
+          <a:noFill/>
+        </p:spPr>
+        <p:txBody>
+          <a:bodyPr wrap="square" rtlCol="0">
+            <a:spAutoFit/>
+          </a:bodyPr>
+          <a:lstStyle/>
+          <a:p>
+            <a:r>
+              <a:rPr lang="ru-RU" dirty="0"/>
+              <a:t>Доля других стран в обороте не прирастает в течение года. Стоит задуматься над увеличением покупателей из других стран. Возможно есть проблемы в доставке или в цене товара.</a:t>
+            </a:r>
+          </a:p>
+        </p:txBody>
+      </p:sp>
     </p:spTree>
     <p:extLst>
       <p:ext uri="{BB962C8B-B14F-4D97-AF65-F5344CB8AC3E}">
@@ -4023,7 +4037,19 @@
           <a:bodyPr/>
           <a:lstStyle/>
           <a:p>
-            <a:endParaRPr lang="ru-RU"/>
+            <a:pPr algn="ctr"/>
+            <a:r>
+              <a:rPr lang="ru-RU" dirty="0"/>
+              <a:t>Анализ </a:t>
+            </a:r>
+            <a:r>
+              <a:rPr lang="en-US" dirty="0"/>
+              <a:t>LTV </a:t>
+            </a:r>
+            <a:r>
+              <a:rPr lang="ru-RU" dirty="0"/>
+              <a:t>по когортам</a:t>
+            </a:r>
           </a:p>
         </p:txBody>
       </p:sp>
@@ -4059,6 +4085,41 @@
           </a:prstGeom>
         </p:spPr>
       </p:pic>
+      <p:sp>
+        <p:nvSpPr>
+          <p:cNvPr id="3" name="TextBox 2">
+            <a:extLst>
+              <a:ext uri="{FF2B5EF4-FFF2-40B4-BE49-F238E27FC236}">
+                <a16:creationId xmlns:a16="http://schemas.microsoft.com/office/drawing/2014/main" id="{4FCC9B31-5633-4D36-80F7-225E089F85AE}"/>
+              </a:ext>
+            </a:extLst>
+          </p:cNvPr>
+          <p:cNvSpPr txBox="1"/>
+          <p:nvPr/>
+        </p:nvSpPr>
+        <p:spPr>
+          <a:xfrm>
+            <a:off x="1795462" y="1500188"/>
+            <a:ext cx="8991600" cy="646331"/>
+          </a:xfrm>
+          <a:prstGeom prst="rect">
+            <a:avLst/>
+          </a:prstGeom>
+          <a:noFill/>
+        </p:spPr>
+        <p:txBody>
+          <a:bodyPr wrap="square" rtlCol="0">
+            <a:spAutoFit/>
+          </a:bodyPr>
+          <a:lstStyle/>
+          <a:p>
+            <a:r>
+              <a:rPr lang="ru-RU" dirty="0"/>
+              <a:t>Чем больше времени проходит, тем больше клиентов возвращаются. Необходимо поставить цель увеличить повторные покупки в течение первых 2 месяцев.</a:t>
+            </a:r>
+          </a:p>
+        </p:txBody>
+      </p:sp>
     </p:spTree>
     <p:extLst>
       <p:ext uri="{BB962C8B-B14F-4D97-AF65-F5344CB8AC3E}">
@@ -4094,7 +4155,7 @@
           <p:cNvPr id="2" name="Заголовок 1">
             <a:extLst>
               <a:ext uri="{FF2B5EF4-FFF2-40B4-BE49-F238E27FC236}">
-                <a16:creationId xmlns:a16="http://schemas.microsoft.com/office/drawing/2014/main" id="{FF3F221D-5A03-4CF0-A779-C2FFD4CCAE4D}"/>
+                <a16:creationId xmlns:a16="http://schemas.microsoft.com/office/drawing/2014/main" id="{D54E9AED-0417-4FA6-9394-3B62AD562457}"/>
               </a:ext>
             </a:extLst>
           </p:cNvPr>
@@ -4110,7 +4171,11 @@
           <a:bodyPr/>
           <a:lstStyle/>
           <a:p>
-            <a:endParaRPr lang="ru-RU"/>
+            <a:pPr algn="ctr"/>
+            <a:r>
+              <a:rPr lang="ru-RU" dirty="0"/>
+              <a:t>Анализ продаж помесячно</a:t>
+            </a:r>
           </a:p>
         </p:txBody>
       </p:sp>
@@ -4119,7 +4184,7 @@
           <p:cNvPr id="4" name="Объект 3">
             <a:extLst>
               <a:ext uri="{FF2B5EF4-FFF2-40B4-BE49-F238E27FC236}">
-                <a16:creationId xmlns:a16="http://schemas.microsoft.com/office/drawing/2014/main" id="{E030F037-9E01-4832-8079-9681F957C827}"/>
+                <a16:creationId xmlns:a16="http://schemas.microsoft.com/office/drawing/2014/main" id="{5C54A265-8AE1-4903-8D88-0D8F2E44E9A8}"/>
               </a:ext>
             </a:extLst>
           </p:cNvPr>
@@ -4138,8 +4203,8 @@
         </p:blipFill>
         <p:spPr>
           <a:xfrm>
-            <a:off x="3000375" y="3182144"/>
-            <a:ext cx="6191250" cy="1638300"/>
+            <a:off x="1957387" y="2423319"/>
+            <a:ext cx="8277225" cy="3181350"/>
           </a:xfrm>
           <a:prstGeom prst="rect">
             <a:avLst/>
@@ -4149,7 +4214,7 @@
     </p:spTree>
     <p:extLst>
       <p:ext uri="{BB962C8B-B14F-4D97-AF65-F5344CB8AC3E}">
-        <p14:creationId xmlns:p14="http://schemas.microsoft.com/office/powerpoint/2010/main" val="4176829799"/>
+        <p14:creationId xmlns:p14="http://schemas.microsoft.com/office/powerpoint/2010/main" val="1520943765"/>
       </p:ext>
     </p:extLst>
   </p:cSld>
@@ -4181,7 +4246,7 @@
           <p:cNvPr id="2" name="Заголовок 1">
             <a:extLst>
               <a:ext uri="{FF2B5EF4-FFF2-40B4-BE49-F238E27FC236}">
-                <a16:creationId xmlns:a16="http://schemas.microsoft.com/office/drawing/2014/main" id="{5729E244-88D8-4333-A51A-6E088ED47A7E}"/>
+                <a16:creationId xmlns:a16="http://schemas.microsoft.com/office/drawing/2014/main" id="{FF3F221D-5A03-4CF0-A779-C2FFD4CCAE4D}"/>
               </a:ext>
             </a:extLst>
           </p:cNvPr>
@@ -4197,39 +4262,104 @@
           <a:bodyPr/>
           <a:lstStyle/>
           <a:p>
-            <a:endParaRPr lang="ru-RU"/>
-          </a:p>
-        </p:txBody>
-      </p:sp>
-      <p:sp>
-        <p:nvSpPr>
-          <p:cNvPr id="3" name="Объект 2">
-            <a:extLst>
-              <a:ext uri="{FF2B5EF4-FFF2-40B4-BE49-F238E27FC236}">
-                <a16:creationId xmlns:a16="http://schemas.microsoft.com/office/drawing/2014/main" id="{A4C578E3-8ECC-4E30-BD90-BCB509517517}"/>
-              </a:ext>
-            </a:extLst>
-          </p:cNvPr>
-          <p:cNvSpPr>
-            <a:spLocks noGrp="1"/>
-          </p:cNvSpPr>
+            <a:pPr algn="ctr"/>
+            <a:r>
+              <a:rPr lang="ru-RU" dirty="0"/>
+              <a:t>Анализ продаж </a:t>
+            </a:r>
+            <a:r>
+              <a:rPr lang="ru-RU" dirty="0" err="1"/>
+              <a:t>понедельно</a:t>
+            </a:r>
+            <a:endParaRPr lang="ru-RU" dirty="0"/>
+          </a:p>
+        </p:txBody>
+      </p:sp>
+      <p:pic>
+        <p:nvPicPr>
+          <p:cNvPr id="4" name="Объект 3">
+            <a:extLst>
+              <a:ext uri="{FF2B5EF4-FFF2-40B4-BE49-F238E27FC236}">
+                <a16:creationId xmlns:a16="http://schemas.microsoft.com/office/drawing/2014/main" id="{E030F037-9E01-4832-8079-9681F957C827}"/>
+              </a:ext>
+            </a:extLst>
+          </p:cNvPr>
+          <p:cNvPicPr>
+            <a:picLocks noGrp="1" noChangeAspect="1"/>
+          </p:cNvPicPr>
           <p:nvPr>
             <p:ph idx="1"/>
           </p:nvPr>
-        </p:nvSpPr>
-        <p:spPr/>
-        <p:txBody>
-          <a:bodyPr/>
-          <a:lstStyle/>
-          <a:p>
-            <a:endParaRPr lang="ru-RU"/>
+        </p:nvPicPr>
+        <p:blipFill>
+          <a:blip r:embed="rId2"/>
+          <a:stretch>
+            <a:fillRect/>
+          </a:stretch>
+        </p:blipFill>
+        <p:spPr>
+          <a:xfrm>
+            <a:off x="3000375" y="3182144"/>
+            <a:ext cx="6191250" cy="1638300"/>
+          </a:xfrm>
+          <a:prstGeom prst="rect">
+            <a:avLst/>
+          </a:prstGeom>
+        </p:spPr>
+      </p:pic>
+      <p:sp>
+        <p:nvSpPr>
+          <p:cNvPr id="3" name="TextBox 2">
+            <a:extLst>
+              <a:ext uri="{FF2B5EF4-FFF2-40B4-BE49-F238E27FC236}">
+                <a16:creationId xmlns:a16="http://schemas.microsoft.com/office/drawing/2014/main" id="{3BFC33BB-73FC-4D8B-8E28-82524D835480}"/>
+              </a:ext>
+            </a:extLst>
+          </p:cNvPr>
+          <p:cNvSpPr txBox="1"/>
+          <p:nvPr/>
+        </p:nvSpPr>
+        <p:spPr>
+          <a:xfrm>
+            <a:off x="1257300" y="1422400"/>
+            <a:ext cx="10096500" cy="646331"/>
+          </a:xfrm>
+          <a:prstGeom prst="rect">
+            <a:avLst/>
+          </a:prstGeom>
+          <a:noFill/>
+        </p:spPr>
+        <p:txBody>
+          <a:bodyPr wrap="square" rtlCol="0">
+            <a:spAutoFit/>
+          </a:bodyPr>
+          <a:lstStyle/>
+          <a:p>
+            <a:pPr marL="285750" indent="-285750">
+              <a:buFont typeface="Arial" panose="020B0604020202020204" pitchFamily="34" charset="0"/>
+              <a:buChar char="•"/>
+            </a:pPr>
+            <a:r>
+              <a:rPr lang="ru-RU" dirty="0"/>
+              <a:t>Нет показателей строго по субботам (почему?)</a:t>
+            </a:r>
+          </a:p>
+          <a:p>
+            <a:pPr marL="285750" indent="-285750">
+              <a:buFont typeface="Arial" panose="020B0604020202020204" pitchFamily="34" charset="0"/>
+              <a:buChar char="•"/>
+            </a:pPr>
+            <a:r>
+              <a:rPr lang="ru-RU" dirty="0"/>
+              <a:t>Есть куда расти по воскресеньям – возможно это связано с тем что нет суббот</a:t>
+            </a:r>
           </a:p>
         </p:txBody>
       </p:sp>
     </p:spTree>
     <p:extLst>
       <p:ext uri="{BB962C8B-B14F-4D97-AF65-F5344CB8AC3E}">
-        <p14:creationId xmlns:p14="http://schemas.microsoft.com/office/powerpoint/2010/main" val="3719036171"/>
+        <p14:creationId xmlns:p14="http://schemas.microsoft.com/office/powerpoint/2010/main" val="4176829799"/>
       </p:ext>
     </p:extLst>
   </p:cSld>
@@ -4261,7 +4391,7 @@
           <p:cNvPr id="2" name="Заголовок 1">
             <a:extLst>
               <a:ext uri="{FF2B5EF4-FFF2-40B4-BE49-F238E27FC236}">
-                <a16:creationId xmlns:a16="http://schemas.microsoft.com/office/drawing/2014/main" id="{D54E9AED-0417-4FA6-9394-3B62AD562457}"/>
+                <a16:creationId xmlns:a16="http://schemas.microsoft.com/office/drawing/2014/main" id="{5729E244-88D8-4333-A51A-6E088ED47A7E}"/>
               </a:ext>
             </a:extLst>
           </p:cNvPr>
@@ -4281,42 +4411,35 @@
           </a:p>
         </p:txBody>
       </p:sp>
-      <p:pic>
-        <p:nvPicPr>
-          <p:cNvPr id="4" name="Объект 3">
-            <a:extLst>
-              <a:ext uri="{FF2B5EF4-FFF2-40B4-BE49-F238E27FC236}">
-                <a16:creationId xmlns:a16="http://schemas.microsoft.com/office/drawing/2014/main" id="{5C54A265-8AE1-4903-8D88-0D8F2E44E9A8}"/>
-              </a:ext>
-            </a:extLst>
-          </p:cNvPr>
-          <p:cNvPicPr>
-            <a:picLocks noGrp="1" noChangeAspect="1"/>
-          </p:cNvPicPr>
+      <p:sp>
+        <p:nvSpPr>
+          <p:cNvPr id="3" name="Объект 2">
+            <a:extLst>
+              <a:ext uri="{FF2B5EF4-FFF2-40B4-BE49-F238E27FC236}">
+                <a16:creationId xmlns:a16="http://schemas.microsoft.com/office/drawing/2014/main" id="{A4C578E3-8ECC-4E30-BD90-BCB509517517}"/>
+              </a:ext>
+            </a:extLst>
+          </p:cNvPr>
+          <p:cNvSpPr>
+            <a:spLocks noGrp="1"/>
+          </p:cNvSpPr>
           <p:nvPr>
             <p:ph idx="1"/>
           </p:nvPr>
-        </p:nvPicPr>
-        <p:blipFill>
-          <a:blip r:embed="rId2"/>
-          <a:stretch>
-            <a:fillRect/>
-          </a:stretch>
-        </p:blipFill>
-        <p:spPr>
-          <a:xfrm>
-            <a:off x="1957387" y="2410619"/>
-            <a:ext cx="8277225" cy="3181350"/>
-          </a:xfrm>
-          <a:prstGeom prst="rect">
-            <a:avLst/>
-          </a:prstGeom>
-        </p:spPr>
-      </p:pic>
+        </p:nvSpPr>
+        <p:spPr/>
+        <p:txBody>
+          <a:bodyPr/>
+          <a:lstStyle/>
+          <a:p>
+            <a:endParaRPr lang="ru-RU"/>
+          </a:p>
+        </p:txBody>
+      </p:sp>
     </p:spTree>
     <p:extLst>
       <p:ext uri="{BB962C8B-B14F-4D97-AF65-F5344CB8AC3E}">
-        <p14:creationId xmlns:p14="http://schemas.microsoft.com/office/powerpoint/2010/main" val="1831761277"/>
+        <p14:creationId xmlns:p14="http://schemas.microsoft.com/office/powerpoint/2010/main" val="3719036171"/>
       </p:ext>
     </p:extLst>
   </p:cSld>

--- a/Презентация.pptx
+++ b/Презентация.pptx
@@ -4,6 +4,9 @@
   <p:sldMasterIdLst>
     <p:sldMasterId id="2147483648" r:id="rId1"/>
   </p:sldMasterIdLst>
+  <p:notesMasterIdLst>
+    <p:notesMasterId r:id="rId10"/>
+  </p:notesMasterIdLst>
   <p:sldIdLst>
     <p:sldId id="256" r:id="rId2"/>
     <p:sldId id="257" r:id="rId3"/>
@@ -123,6 +126,439 @@
 <p1510:revInfo xmlns:a="http://schemas.openxmlformats.org/drawingml/2006/main" xmlns:r="http://schemas.openxmlformats.org/officeDocument/2006/relationships" xmlns:p1510="http://schemas.microsoft.com/office/powerpoint/2015/10/main"/>
 </file>
 
+<file path=ppt/notesMasters/notesMaster1.xml><?xml version="1.0" encoding="utf-8"?>
+<p:notesMaster xmlns:a="http://schemas.openxmlformats.org/drawingml/2006/main" xmlns:r="http://schemas.openxmlformats.org/officeDocument/2006/relationships" xmlns:p="http://schemas.openxmlformats.org/presentationml/2006/main">
+  <p:cSld>
+    <p:bg>
+      <p:bgRef idx="1001">
+        <a:schemeClr val="bg1"/>
+      </p:bgRef>
+    </p:bg>
+    <p:spTree>
+      <p:nvGrpSpPr>
+        <p:cNvPr id="1" name=""/>
+        <p:cNvGrpSpPr/>
+        <p:nvPr/>
+      </p:nvGrpSpPr>
+      <p:grpSpPr>
+        <a:xfrm>
+          <a:off x="0" y="0"/>
+          <a:ext cx="0" cy="0"/>
+          <a:chOff x="0" y="0"/>
+          <a:chExt cx="0" cy="0"/>
+        </a:xfrm>
+      </p:grpSpPr>
+      <p:sp>
+        <p:nvSpPr>
+          <p:cNvPr id="2" name="Верхний колонтитул 1"/>
+          <p:cNvSpPr>
+            <a:spLocks noGrp="1"/>
+          </p:cNvSpPr>
+          <p:nvPr>
+            <p:ph type="hdr" sz="quarter"/>
+          </p:nvPr>
+        </p:nvSpPr>
+        <p:spPr>
+          <a:xfrm>
+            <a:off x="0" y="0"/>
+            <a:ext cx="2971800" cy="458788"/>
+          </a:xfrm>
+          <a:prstGeom prst="rect">
+            <a:avLst/>
+          </a:prstGeom>
+        </p:spPr>
+        <p:txBody>
+          <a:bodyPr vert="horz" lIns="91440" tIns="45720" rIns="91440" bIns="45720" rtlCol="0"/>
+          <a:lstStyle>
+            <a:lvl1pPr algn="l">
+              <a:defRPr sz="1200"/>
+            </a:lvl1pPr>
+          </a:lstStyle>
+          <a:p>
+            <a:endParaRPr lang="ru-RU"/>
+          </a:p>
+        </p:txBody>
+      </p:sp>
+      <p:sp>
+        <p:nvSpPr>
+          <p:cNvPr id="3" name="Дата 2"/>
+          <p:cNvSpPr>
+            <a:spLocks noGrp="1"/>
+          </p:cNvSpPr>
+          <p:nvPr>
+            <p:ph type="dt" idx="1"/>
+          </p:nvPr>
+        </p:nvSpPr>
+        <p:spPr>
+          <a:xfrm>
+            <a:off x="3884613" y="0"/>
+            <a:ext cx="2971800" cy="458788"/>
+          </a:xfrm>
+          <a:prstGeom prst="rect">
+            <a:avLst/>
+          </a:prstGeom>
+        </p:spPr>
+        <p:txBody>
+          <a:bodyPr vert="horz" lIns="91440" tIns="45720" rIns="91440" bIns="45720" rtlCol="0"/>
+          <a:lstStyle>
+            <a:lvl1pPr algn="r">
+              <a:defRPr sz="1200"/>
+            </a:lvl1pPr>
+          </a:lstStyle>
+          <a:p>
+            <a:fld id="{635F3468-E21B-44AE-B0B6-52540A7A41CA}" type="datetimeFigureOut">
+              <a:rPr lang="ru-RU" smtClean="0"/>
+              <a:t>24.07.2019</a:t>
+            </a:fld>
+            <a:endParaRPr lang="ru-RU"/>
+          </a:p>
+        </p:txBody>
+      </p:sp>
+      <p:sp>
+        <p:nvSpPr>
+          <p:cNvPr id="4" name="Образ слайда 3"/>
+          <p:cNvSpPr>
+            <a:spLocks noGrp="1" noRot="1" noChangeAspect="1"/>
+          </p:cNvSpPr>
+          <p:nvPr>
+            <p:ph type="sldImg" idx="2"/>
+          </p:nvPr>
+        </p:nvSpPr>
+        <p:spPr>
+          <a:xfrm>
+            <a:off x="685800" y="1143000"/>
+            <a:ext cx="5486400" cy="3086100"/>
+          </a:xfrm>
+          <a:prstGeom prst="rect">
+            <a:avLst/>
+          </a:prstGeom>
+          <a:noFill/>
+          <a:ln w="12700">
+            <a:solidFill>
+              <a:prstClr val="black"/>
+            </a:solidFill>
+          </a:ln>
+        </p:spPr>
+        <p:txBody>
+          <a:bodyPr vert="horz" lIns="91440" tIns="45720" rIns="91440" bIns="45720" rtlCol="0" anchor="ctr"/>
+          <a:lstStyle/>
+          <a:p>
+            <a:endParaRPr lang="ru-RU"/>
+          </a:p>
+        </p:txBody>
+      </p:sp>
+      <p:sp>
+        <p:nvSpPr>
+          <p:cNvPr id="5" name="Заметки 4"/>
+          <p:cNvSpPr>
+            <a:spLocks noGrp="1"/>
+          </p:cNvSpPr>
+          <p:nvPr>
+            <p:ph type="body" sz="quarter" idx="3"/>
+          </p:nvPr>
+        </p:nvSpPr>
+        <p:spPr>
+          <a:xfrm>
+            <a:off x="685800" y="4400550"/>
+            <a:ext cx="5486400" cy="3600450"/>
+          </a:xfrm>
+          <a:prstGeom prst="rect">
+            <a:avLst/>
+          </a:prstGeom>
+        </p:spPr>
+        <p:txBody>
+          <a:bodyPr vert="horz" lIns="91440" tIns="45720" rIns="91440" bIns="45720" rtlCol="0"/>
+          <a:lstStyle/>
+          <a:p>
+            <a:pPr lvl="0"/>
+            <a:r>
+              <a:rPr lang="ru-RU"/>
+              <a:t>Образец текста</a:t>
+            </a:r>
+          </a:p>
+          <a:p>
+            <a:pPr lvl="1"/>
+            <a:r>
+              <a:rPr lang="ru-RU"/>
+              <a:t>Второй уровень</a:t>
+            </a:r>
+          </a:p>
+          <a:p>
+            <a:pPr lvl="2"/>
+            <a:r>
+              <a:rPr lang="ru-RU"/>
+              <a:t>Третий уровень</a:t>
+            </a:r>
+          </a:p>
+          <a:p>
+            <a:pPr lvl="3"/>
+            <a:r>
+              <a:rPr lang="ru-RU"/>
+              <a:t>Четвертый уровень</a:t>
+            </a:r>
+          </a:p>
+          <a:p>
+            <a:pPr lvl="4"/>
+            <a:r>
+              <a:rPr lang="ru-RU"/>
+              <a:t>Пятый уровень</a:t>
+            </a:r>
+          </a:p>
+        </p:txBody>
+      </p:sp>
+      <p:sp>
+        <p:nvSpPr>
+          <p:cNvPr id="6" name="Нижний колонтитул 5"/>
+          <p:cNvSpPr>
+            <a:spLocks noGrp="1"/>
+          </p:cNvSpPr>
+          <p:nvPr>
+            <p:ph type="ftr" sz="quarter" idx="4"/>
+          </p:nvPr>
+        </p:nvSpPr>
+        <p:spPr>
+          <a:xfrm>
+            <a:off x="0" y="8685213"/>
+            <a:ext cx="2971800" cy="458787"/>
+          </a:xfrm>
+          <a:prstGeom prst="rect">
+            <a:avLst/>
+          </a:prstGeom>
+        </p:spPr>
+        <p:txBody>
+          <a:bodyPr vert="horz" lIns="91440" tIns="45720" rIns="91440" bIns="45720" rtlCol="0" anchor="b"/>
+          <a:lstStyle>
+            <a:lvl1pPr algn="l">
+              <a:defRPr sz="1200"/>
+            </a:lvl1pPr>
+          </a:lstStyle>
+          <a:p>
+            <a:endParaRPr lang="ru-RU"/>
+          </a:p>
+        </p:txBody>
+      </p:sp>
+      <p:sp>
+        <p:nvSpPr>
+          <p:cNvPr id="7" name="Номер слайда 6"/>
+          <p:cNvSpPr>
+            <a:spLocks noGrp="1"/>
+          </p:cNvSpPr>
+          <p:nvPr>
+            <p:ph type="sldNum" sz="quarter" idx="5"/>
+          </p:nvPr>
+        </p:nvSpPr>
+        <p:spPr>
+          <a:xfrm>
+            <a:off x="3884613" y="8685213"/>
+            <a:ext cx="2971800" cy="458787"/>
+          </a:xfrm>
+          <a:prstGeom prst="rect">
+            <a:avLst/>
+          </a:prstGeom>
+        </p:spPr>
+        <p:txBody>
+          <a:bodyPr vert="horz" lIns="91440" tIns="45720" rIns="91440" bIns="45720" rtlCol="0" anchor="b"/>
+          <a:lstStyle>
+            <a:lvl1pPr algn="r">
+              <a:defRPr sz="1200"/>
+            </a:lvl1pPr>
+          </a:lstStyle>
+          <a:p>
+            <a:fld id="{645DC198-7F89-41F8-9B8F-F070F5888700}" type="slidenum">
+              <a:rPr lang="ru-RU" smtClean="0"/>
+              <a:t>‹#›</a:t>
+            </a:fld>
+            <a:endParaRPr lang="ru-RU"/>
+          </a:p>
+        </p:txBody>
+      </p:sp>
+    </p:spTree>
+    <p:extLst>
+      <p:ext uri="{BB962C8B-B14F-4D97-AF65-F5344CB8AC3E}">
+        <p14:creationId xmlns:p14="http://schemas.microsoft.com/office/powerpoint/2010/main" val="358251994"/>
+      </p:ext>
+    </p:extLst>
+  </p:cSld>
+  <p:clrMap bg1="lt1" tx1="dk1" bg2="lt2" tx2="dk2" accent1="accent1" accent2="accent2" accent3="accent3" accent4="accent4" accent5="accent5" accent6="accent6" hlink="hlink" folHlink="folHlink"/>
+  <p:notesStyle>
+    <a:lvl1pPr marL="0" algn="l" defTabSz="914400" rtl="0" eaLnBrk="1" latinLnBrk="0" hangingPunct="1">
+      <a:defRPr sz="1200" kern="1200">
+        <a:solidFill>
+          <a:schemeClr val="tx1"/>
+        </a:solidFill>
+        <a:latin typeface="+mn-lt"/>
+        <a:ea typeface="+mn-ea"/>
+        <a:cs typeface="+mn-cs"/>
+      </a:defRPr>
+    </a:lvl1pPr>
+    <a:lvl2pPr marL="457200" algn="l" defTabSz="914400" rtl="0" eaLnBrk="1" latinLnBrk="0" hangingPunct="1">
+      <a:defRPr sz="1200" kern="1200">
+        <a:solidFill>
+          <a:schemeClr val="tx1"/>
+        </a:solidFill>
+        <a:latin typeface="+mn-lt"/>
+        <a:ea typeface="+mn-ea"/>
+        <a:cs typeface="+mn-cs"/>
+      </a:defRPr>
+    </a:lvl2pPr>
+    <a:lvl3pPr marL="914400" algn="l" defTabSz="914400" rtl="0" eaLnBrk="1" latinLnBrk="0" hangingPunct="1">
+      <a:defRPr sz="1200" kern="1200">
+        <a:solidFill>
+          <a:schemeClr val="tx1"/>
+        </a:solidFill>
+        <a:latin typeface="+mn-lt"/>
+        <a:ea typeface="+mn-ea"/>
+        <a:cs typeface="+mn-cs"/>
+      </a:defRPr>
+    </a:lvl3pPr>
+    <a:lvl4pPr marL="1371600" algn="l" defTabSz="914400" rtl="0" eaLnBrk="1" latinLnBrk="0" hangingPunct="1">
+      <a:defRPr sz="1200" kern="1200">
+        <a:solidFill>
+          <a:schemeClr val="tx1"/>
+        </a:solidFill>
+        <a:latin typeface="+mn-lt"/>
+        <a:ea typeface="+mn-ea"/>
+        <a:cs typeface="+mn-cs"/>
+      </a:defRPr>
+    </a:lvl4pPr>
+    <a:lvl5pPr marL="1828800" algn="l" defTabSz="914400" rtl="0" eaLnBrk="1" latinLnBrk="0" hangingPunct="1">
+      <a:defRPr sz="1200" kern="1200">
+        <a:solidFill>
+          <a:schemeClr val="tx1"/>
+        </a:solidFill>
+        <a:latin typeface="+mn-lt"/>
+        <a:ea typeface="+mn-ea"/>
+        <a:cs typeface="+mn-cs"/>
+      </a:defRPr>
+    </a:lvl5pPr>
+    <a:lvl6pPr marL="2286000" algn="l" defTabSz="914400" rtl="0" eaLnBrk="1" latinLnBrk="0" hangingPunct="1">
+      <a:defRPr sz="1200" kern="1200">
+        <a:solidFill>
+          <a:schemeClr val="tx1"/>
+        </a:solidFill>
+        <a:latin typeface="+mn-lt"/>
+        <a:ea typeface="+mn-ea"/>
+        <a:cs typeface="+mn-cs"/>
+      </a:defRPr>
+    </a:lvl6pPr>
+    <a:lvl7pPr marL="2743200" algn="l" defTabSz="914400" rtl="0" eaLnBrk="1" latinLnBrk="0" hangingPunct="1">
+      <a:defRPr sz="1200" kern="1200">
+        <a:solidFill>
+          <a:schemeClr val="tx1"/>
+        </a:solidFill>
+        <a:latin typeface="+mn-lt"/>
+        <a:ea typeface="+mn-ea"/>
+        <a:cs typeface="+mn-cs"/>
+      </a:defRPr>
+    </a:lvl7pPr>
+    <a:lvl8pPr marL="3200400" algn="l" defTabSz="914400" rtl="0" eaLnBrk="1" latinLnBrk="0" hangingPunct="1">
+      <a:defRPr sz="1200" kern="1200">
+        <a:solidFill>
+          <a:schemeClr val="tx1"/>
+        </a:solidFill>
+        <a:latin typeface="+mn-lt"/>
+        <a:ea typeface="+mn-ea"/>
+        <a:cs typeface="+mn-cs"/>
+      </a:defRPr>
+    </a:lvl8pPr>
+    <a:lvl9pPr marL="3657600" algn="l" defTabSz="914400" rtl="0" eaLnBrk="1" latinLnBrk="0" hangingPunct="1">
+      <a:defRPr sz="1200" kern="1200">
+        <a:solidFill>
+          <a:schemeClr val="tx1"/>
+        </a:solidFill>
+        <a:latin typeface="+mn-lt"/>
+        <a:ea typeface="+mn-ea"/>
+        <a:cs typeface="+mn-cs"/>
+      </a:defRPr>
+    </a:lvl9pPr>
+  </p:notesStyle>
+</p:notesMaster>
+</file>
+
+<file path=ppt/notesSlides/notesSlide1.xml><?xml version="1.0" encoding="utf-8"?>
+<p:notes xmlns:a="http://schemas.openxmlformats.org/drawingml/2006/main" xmlns:r="http://schemas.openxmlformats.org/officeDocument/2006/relationships" xmlns:p="http://schemas.openxmlformats.org/presentationml/2006/main">
+  <p:cSld>
+    <p:spTree>
+      <p:nvGrpSpPr>
+        <p:cNvPr id="1" name=""/>
+        <p:cNvGrpSpPr/>
+        <p:nvPr/>
+      </p:nvGrpSpPr>
+      <p:grpSpPr>
+        <a:xfrm>
+          <a:off x="0" y="0"/>
+          <a:ext cx="0" cy="0"/>
+          <a:chOff x="0" y="0"/>
+          <a:chExt cx="0" cy="0"/>
+        </a:xfrm>
+      </p:grpSpPr>
+      <p:sp>
+        <p:nvSpPr>
+          <p:cNvPr id="2" name="Образ слайда 1"/>
+          <p:cNvSpPr>
+            <a:spLocks noGrp="1" noRot="1" noChangeAspect="1"/>
+          </p:cNvSpPr>
+          <p:nvPr>
+            <p:ph type="sldImg"/>
+          </p:nvPr>
+        </p:nvSpPr>
+        <p:spPr/>
+      </p:sp>
+      <p:sp>
+        <p:nvSpPr>
+          <p:cNvPr id="3" name="Заметки 2"/>
+          <p:cNvSpPr>
+            <a:spLocks noGrp="1"/>
+          </p:cNvSpPr>
+          <p:nvPr>
+            <p:ph type="body" idx="1"/>
+          </p:nvPr>
+        </p:nvSpPr>
+        <p:spPr/>
+        <p:txBody>
+          <a:bodyPr/>
+          <a:lstStyle/>
+          <a:p>
+            <a:endParaRPr lang="ru-RU"/>
+          </a:p>
+        </p:txBody>
+      </p:sp>
+      <p:sp>
+        <p:nvSpPr>
+          <p:cNvPr id="4" name="Номер слайда 3"/>
+          <p:cNvSpPr>
+            <a:spLocks noGrp="1"/>
+          </p:cNvSpPr>
+          <p:nvPr>
+            <p:ph type="sldNum" sz="quarter" idx="10"/>
+          </p:nvPr>
+        </p:nvSpPr>
+        <p:spPr/>
+        <p:txBody>
+          <a:bodyPr/>
+          <a:lstStyle/>
+          <a:p>
+            <a:fld id="{645DC198-7F89-41F8-9B8F-F070F5888700}" type="slidenum">
+              <a:rPr lang="ru-RU" smtClean="0"/>
+              <a:t>5</a:t>
+            </a:fld>
+            <a:endParaRPr lang="ru-RU"/>
+          </a:p>
+        </p:txBody>
+      </p:sp>
+    </p:spTree>
+    <p:extLst>
+      <p:ext uri="{BB962C8B-B14F-4D97-AF65-F5344CB8AC3E}">
+        <p14:creationId xmlns:p14="http://schemas.microsoft.com/office/powerpoint/2010/main" val="4024168990"/>
+      </p:ext>
+    </p:extLst>
+  </p:cSld>
+  <p:clrMapOvr>
+    <a:masterClrMapping/>
+  </p:clrMapOvr>
+</p:notes>
+</file>
+
 <file path=ppt/slideLayouts/slideLayout1.xml><?xml version="1.0" encoding="utf-8"?>
 <p:sldLayout xmlns:a="http://schemas.openxmlformats.org/drawingml/2006/main" xmlns:r="http://schemas.openxmlformats.org/officeDocument/2006/relationships" xmlns:p="http://schemas.openxmlformats.org/presentationml/2006/main" type="title" preserve="1">
   <p:cSld name="Титульный слайд">
@@ -270,7 +706,7 @@
           <a:p>
             <a:fld id="{EC9C4473-B763-498A-AFDB-EC8E77BCF3C5}" type="datetimeFigureOut">
               <a:rPr lang="ru-RU" smtClean="0"/>
-              <a:t>02.07.2019</a:t>
+              <a:t>24.07.2019</a:t>
             </a:fld>
             <a:endParaRPr lang="ru-RU"/>
           </a:p>
@@ -468,7 +904,7 @@
           <a:p>
             <a:fld id="{EC9C4473-B763-498A-AFDB-EC8E77BCF3C5}" type="datetimeFigureOut">
               <a:rPr lang="ru-RU" smtClean="0"/>
-              <a:t>02.07.2019</a:t>
+              <a:t>24.07.2019</a:t>
             </a:fld>
             <a:endParaRPr lang="ru-RU"/>
           </a:p>
@@ -676,7 +1112,7 @@
           <a:p>
             <a:fld id="{EC9C4473-B763-498A-AFDB-EC8E77BCF3C5}" type="datetimeFigureOut">
               <a:rPr lang="ru-RU" smtClean="0"/>
-              <a:t>02.07.2019</a:t>
+              <a:t>24.07.2019</a:t>
             </a:fld>
             <a:endParaRPr lang="ru-RU"/>
           </a:p>
@@ -874,7 +1310,7 @@
           <a:p>
             <a:fld id="{EC9C4473-B763-498A-AFDB-EC8E77BCF3C5}" type="datetimeFigureOut">
               <a:rPr lang="ru-RU" smtClean="0"/>
-              <a:t>02.07.2019</a:t>
+              <a:t>24.07.2019</a:t>
             </a:fld>
             <a:endParaRPr lang="ru-RU"/>
           </a:p>
@@ -1149,7 +1585,7 @@
           <a:p>
             <a:fld id="{EC9C4473-B763-498A-AFDB-EC8E77BCF3C5}" type="datetimeFigureOut">
               <a:rPr lang="ru-RU" smtClean="0"/>
-              <a:t>02.07.2019</a:t>
+              <a:t>24.07.2019</a:t>
             </a:fld>
             <a:endParaRPr lang="ru-RU"/>
           </a:p>
@@ -1414,7 +1850,7 @@
           <a:p>
             <a:fld id="{EC9C4473-B763-498A-AFDB-EC8E77BCF3C5}" type="datetimeFigureOut">
               <a:rPr lang="ru-RU" smtClean="0"/>
-              <a:t>02.07.2019</a:t>
+              <a:t>24.07.2019</a:t>
             </a:fld>
             <a:endParaRPr lang="ru-RU"/>
           </a:p>
@@ -1826,7 +2262,7 @@
           <a:p>
             <a:fld id="{EC9C4473-B763-498A-AFDB-EC8E77BCF3C5}" type="datetimeFigureOut">
               <a:rPr lang="ru-RU" smtClean="0"/>
-              <a:t>02.07.2019</a:t>
+              <a:t>24.07.2019</a:t>
             </a:fld>
             <a:endParaRPr lang="ru-RU"/>
           </a:p>
@@ -1967,7 +2403,7 @@
           <a:p>
             <a:fld id="{EC9C4473-B763-498A-AFDB-EC8E77BCF3C5}" type="datetimeFigureOut">
               <a:rPr lang="ru-RU" smtClean="0"/>
-              <a:t>02.07.2019</a:t>
+              <a:t>24.07.2019</a:t>
             </a:fld>
             <a:endParaRPr lang="ru-RU"/>
           </a:p>
@@ -2080,7 +2516,7 @@
           <a:p>
             <a:fld id="{EC9C4473-B763-498A-AFDB-EC8E77BCF3C5}" type="datetimeFigureOut">
               <a:rPr lang="ru-RU" smtClean="0"/>
-              <a:t>02.07.2019</a:t>
+              <a:t>24.07.2019</a:t>
             </a:fld>
             <a:endParaRPr lang="ru-RU"/>
           </a:p>
@@ -2391,7 +2827,7 @@
           <a:p>
             <a:fld id="{EC9C4473-B763-498A-AFDB-EC8E77BCF3C5}" type="datetimeFigureOut">
               <a:rPr lang="ru-RU" smtClean="0"/>
-              <a:t>02.07.2019</a:t>
+              <a:t>24.07.2019</a:t>
             </a:fld>
             <a:endParaRPr lang="ru-RU"/>
           </a:p>
@@ -2679,7 +3115,7 @@
           <a:p>
             <a:fld id="{EC9C4473-B763-498A-AFDB-EC8E77BCF3C5}" type="datetimeFigureOut">
               <a:rPr lang="ru-RU" smtClean="0"/>
-              <a:t>02.07.2019</a:t>
+              <a:t>24.07.2019</a:t>
             </a:fld>
             <a:endParaRPr lang="ru-RU"/>
           </a:p>
@@ -2920,7 +3356,7 @@
           <a:p>
             <a:fld id="{EC9C4473-B763-498A-AFDB-EC8E77BCF3C5}" type="datetimeFigureOut">
               <a:rPr lang="ru-RU" smtClean="0"/>
-              <a:t>02.07.2019</a:t>
+              <a:t>24.07.2019</a:t>
             </a:fld>
             <a:endParaRPr lang="ru-RU"/>
           </a:p>
@@ -3711,9 +4147,10 @@
           <a:lstStyle/>
           <a:p>
             <a:r>
-              <a:rPr lang="ru-RU" dirty="0"/>
+              <a:rPr lang="ru-RU"/>
               <a:t>Аналитика</a:t>
             </a:r>
+            <a:endParaRPr lang="ru-RU" dirty="0"/>
           </a:p>
         </p:txBody>
       </p:sp>
@@ -3748,24 +4185,16 @@
               <a:buChar char="•"/>
             </a:pPr>
             <a:r>
-              <a:rPr lang="ru-RU" dirty="0"/>
+              <a:rPr lang="ru-RU"/>
               <a:t>Количество чеков и активных покупателей,</a:t>
             </a:r>
             <a:r>
-              <a:rPr lang="en-US" dirty="0"/>
+              <a:rPr lang="en-US"/>
               <a:t> </a:t>
             </a:r>
             <a:r>
-              <a:rPr lang="ru-RU" dirty="0"/>
-              <a:t>количество проданных </a:t>
-            </a:r>
-            <a:r>
-              <a:rPr lang="ru-RU" dirty="0" err="1"/>
-              <a:t>артикулов,продажи</a:t>
-            </a:r>
-            <a:r>
-              <a:rPr lang="ru-RU" dirty="0"/>
-              <a:t> в штуках и в деньгах помесячно</a:t>
+              <a:rPr lang="ru-RU"/>
+              <a:t>количество проданных артикулов,продажи в штуках и в деньгах помесячно</a:t>
             </a:r>
           </a:p>
           <a:p>
@@ -3774,15 +4203,15 @@
               <a:buChar char="•"/>
             </a:pPr>
             <a:r>
-              <a:rPr lang="ru-RU" dirty="0"/>
+              <a:rPr lang="ru-RU"/>
               <a:t>Количество чеков и активных покупателей (MAU),количество проданных артикулов,</a:t>
             </a:r>
             <a:r>
-              <a:rPr lang="en-US" dirty="0"/>
+              <a:rPr lang="en-US"/>
               <a:t> </a:t>
             </a:r>
             <a:r>
-              <a:rPr lang="ru-RU" dirty="0"/>
+              <a:rPr lang="ru-RU"/>
               <a:t>продажи в штуках и в деньгах по дням недели</a:t>
             </a:r>
           </a:p>
@@ -3792,7 +4221,7 @@
               <a:buChar char="•"/>
             </a:pPr>
             <a:r>
-              <a:rPr lang="ru-RU" dirty="0"/>
+              <a:rPr lang="ru-RU"/>
               <a:t>Распределение  покупателей с по количеству покупок</a:t>
             </a:r>
           </a:p>
@@ -3802,22 +4231,14 @@
               <a:buChar char="•"/>
             </a:pPr>
             <a:r>
-              <a:rPr lang="ru-RU" dirty="0"/>
-              <a:t>Проанализировал клиентов по когортам для </a:t>
-            </a:r>
-            <a:r>
-              <a:rPr lang="ru-RU" dirty="0" err="1"/>
-              <a:t>рассчета</a:t>
-            </a:r>
-            <a:r>
-              <a:rPr lang="ru-RU" dirty="0"/>
-              <a:t> </a:t>
-            </a:r>
-            <a:r>
-              <a:rPr lang="en-US" dirty="0"/>
+              <a:rPr lang="ru-RU"/>
+              <a:t>Проанализировал клиентов по когортам для рассчета </a:t>
+            </a:r>
+            <a:r>
+              <a:rPr lang="en-US"/>
               <a:t>LTV</a:t>
             </a:r>
-            <a:endParaRPr lang="ru-RU" dirty="0"/>
+            <a:endParaRPr lang="ru-RU"/>
           </a:p>
           <a:p>
             <a:pPr marL="342900" indent="-342900" algn="l">
@@ -3825,9 +4246,10 @@
               <a:buChar char="•"/>
             </a:pPr>
             <a:r>
-              <a:rPr lang="ru-RU" dirty="0"/>
+              <a:rPr lang="ru-RU"/>
               <a:t>Составил топ продаваемых артикулов помесячно</a:t>
             </a:r>
+            <a:endParaRPr lang="ru-RU" dirty="0"/>
           </a:p>
         </p:txBody>
       </p:sp>
@@ -3877,80 +4299,24 @@
             <p:ph type="title"/>
           </p:nvPr>
         </p:nvSpPr>
-        <p:spPr/>
-        <p:txBody>
-          <a:bodyPr/>
-          <a:lstStyle/>
-          <a:p>
-            <a:r>
-              <a:rPr lang="ru-RU" dirty="0"/>
-              <a:t>Точки роста: продажи по регионам</a:t>
-            </a:r>
-          </a:p>
-        </p:txBody>
-      </p:sp>
-      <p:pic>
-        <p:nvPicPr>
-          <p:cNvPr id="4" name="Объект 3">
-            <a:extLst>
-              <a:ext uri="{FF2B5EF4-FFF2-40B4-BE49-F238E27FC236}">
-                <a16:creationId xmlns:a16="http://schemas.microsoft.com/office/drawing/2014/main" id="{47CF53AC-9F11-4B3A-8388-17938D17C144}"/>
-              </a:ext>
-            </a:extLst>
-          </p:cNvPr>
-          <p:cNvPicPr>
-            <a:picLocks noGrp="1" noChangeAspect="1"/>
-          </p:cNvPicPr>
-          <p:nvPr>
-            <p:ph idx="1"/>
-          </p:nvPr>
-        </p:nvPicPr>
-        <p:blipFill>
-          <a:blip r:embed="rId2"/>
-          <a:stretch>
-            <a:fillRect/>
-          </a:stretch>
-        </p:blipFill>
         <p:spPr>
           <a:xfrm>
-            <a:off x="838200" y="2735317"/>
-            <a:ext cx="5067300" cy="2800350"/>
+            <a:off x="838200" y="365125"/>
+            <a:ext cx="10515600" cy="1325563"/>
           </a:xfrm>
-          <a:prstGeom prst="rect">
-            <a:avLst/>
-          </a:prstGeom>
         </p:spPr>
-      </p:pic>
-      <p:pic>
-        <p:nvPicPr>
-          <p:cNvPr id="5" name="Рисунок 4">
-            <a:extLst>
-              <a:ext uri="{FF2B5EF4-FFF2-40B4-BE49-F238E27FC236}">
-                <a16:creationId xmlns:a16="http://schemas.microsoft.com/office/drawing/2014/main" id="{E59C619B-8161-419A-96D8-9FBFA4175F0A}"/>
-              </a:ext>
-            </a:extLst>
-          </p:cNvPr>
-          <p:cNvPicPr>
-            <a:picLocks noChangeAspect="1"/>
-          </p:cNvPicPr>
-          <p:nvPr/>
-        </p:nvPicPr>
-        <p:blipFill>
-          <a:blip r:embed="rId3"/>
-          <a:stretch>
-            <a:fillRect/>
-          </a:stretch>
-        </p:blipFill>
-        <p:spPr>
-          <a:xfrm>
-            <a:off x="6096000" y="2735317"/>
-            <a:ext cx="4933950" cy="2847975"/>
-          </a:xfrm>
-          <a:prstGeom prst="rect">
-            <a:avLst/>
-          </a:prstGeom>
-        </p:spPr>
-      </p:pic>
+        <p:txBody>
+          <a:bodyPr/>
+          <a:lstStyle/>
+          <a:p>
+            <a:r>
+              <a:rPr lang="ru-RU"/>
+              <a:t>Точки роста: продажи по регионам</a:t>
+            </a:r>
+            <a:endParaRPr lang="ru-RU" dirty="0"/>
+          </a:p>
+        </p:txBody>
+      </p:sp>
       <p:sp>
         <p:nvSpPr>
           <p:cNvPr id="3" name="TextBox 2">
@@ -3980,12 +4346,75 @@
           <a:lstStyle/>
           <a:p>
             <a:r>
-              <a:rPr lang="ru-RU" dirty="0"/>
+              <a:rPr lang="ru-RU"/>
               <a:t>Доля других стран в обороте не прирастает в течение года. Стоит задуматься над увеличением покупателей из других стран. Возможно есть проблемы в доставке или в цене товара.</a:t>
             </a:r>
-          </a:p>
-        </p:txBody>
-      </p:sp>
+            <a:endParaRPr lang="ru-RU" dirty="0"/>
+          </a:p>
+        </p:txBody>
+      </p:sp>
+      <p:pic>
+        <p:nvPicPr>
+          <p:cNvPr id="6" name="Рисунок 5">
+            <a:extLst>
+              <a:ext uri="{FF2B5EF4-FFF2-40B4-BE49-F238E27FC236}">
+                <a16:creationId xmlns:a16="http://schemas.microsoft.com/office/drawing/2014/main" id="{4776ABDA-FDD7-4D1B-B60A-60E0B3F67737}"/>
+              </a:ext>
+            </a:extLst>
+          </p:cNvPr>
+          <p:cNvPicPr>
+            <a:picLocks noChangeAspect="1"/>
+          </p:cNvPicPr>
+          <p:nvPr/>
+        </p:nvPicPr>
+        <p:blipFill>
+          <a:blip r:embed="rId2"/>
+          <a:stretch>
+            <a:fillRect/>
+          </a:stretch>
+        </p:blipFill>
+        <p:spPr>
+          <a:xfrm>
+            <a:off x="5905500" y="2735317"/>
+            <a:ext cx="4238625" cy="2714625"/>
+          </a:xfrm>
+          <a:prstGeom prst="rect">
+            <a:avLst/>
+          </a:prstGeom>
+        </p:spPr>
+      </p:pic>
+      <p:pic>
+        <p:nvPicPr>
+          <p:cNvPr id="9" name="Объект 8">
+            <a:extLst>
+              <a:ext uri="{FF2B5EF4-FFF2-40B4-BE49-F238E27FC236}">
+                <a16:creationId xmlns:a16="http://schemas.microsoft.com/office/drawing/2014/main" id="{3230C338-2CE6-4865-8E2E-4389637C4834}"/>
+              </a:ext>
+            </a:extLst>
+          </p:cNvPr>
+          <p:cNvPicPr>
+            <a:picLocks noGrp="1" noChangeAspect="1"/>
+          </p:cNvPicPr>
+          <p:nvPr>
+            <p:ph idx="1"/>
+          </p:nvPr>
+        </p:nvPicPr>
+        <p:blipFill>
+          <a:blip r:embed="rId3"/>
+          <a:stretch>
+            <a:fillRect/>
+          </a:stretch>
+        </p:blipFill>
+        <p:spPr>
+          <a:xfrm>
+            <a:off x="1265526" y="2735317"/>
+            <a:ext cx="4257675" cy="2647950"/>
+          </a:xfrm>
+          <a:prstGeom prst="rect">
+            <a:avLst/>
+          </a:prstGeom>
+        </p:spPr>
+      </p:pic>
     </p:spTree>
     <p:extLst>
       <p:ext uri="{BB962C8B-B14F-4D97-AF65-F5344CB8AC3E}">
@@ -4032,24 +4461,30 @@
             <p:ph type="title"/>
           </p:nvPr>
         </p:nvSpPr>
-        <p:spPr/>
+        <p:spPr>
+          <a:xfrm>
+            <a:off x="838200" y="365125"/>
+            <a:ext cx="10515600" cy="1325563"/>
+          </a:xfrm>
+        </p:spPr>
         <p:txBody>
           <a:bodyPr/>
           <a:lstStyle/>
           <a:p>
             <a:pPr algn="ctr"/>
             <a:r>
-              <a:rPr lang="ru-RU" dirty="0"/>
+              <a:rPr lang="ru-RU"/>
               <a:t>Анализ </a:t>
             </a:r>
             <a:r>
-              <a:rPr lang="en-US" dirty="0"/>
+              <a:rPr lang="en-US"/>
               <a:t>LTV </a:t>
             </a:r>
             <a:r>
-              <a:rPr lang="ru-RU" dirty="0"/>
+              <a:rPr lang="ru-RU"/>
               <a:t>по когортам</a:t>
             </a:r>
+            <a:endParaRPr lang="ru-RU" dirty="0"/>
           </a:p>
         </p:txBody>
       </p:sp>
@@ -4070,7 +4505,7 @@
           </p:nvPr>
         </p:nvPicPr>
         <p:blipFill>
-          <a:blip r:embed="rId2"/>
+          <a:blip r:embed="rId3"/>
           <a:stretch>
             <a:fillRect/>
           </a:stretch>
@@ -4166,7 +4601,12 @@
             <p:ph type="title"/>
           </p:nvPr>
         </p:nvSpPr>
-        <p:spPr/>
+        <p:spPr>
+          <a:xfrm>
+            <a:off x="838200" y="118722"/>
+            <a:ext cx="10515600" cy="1325563"/>
+          </a:xfrm>
+        </p:spPr>
         <p:txBody>
           <a:bodyPr/>
           <a:lstStyle/>
@@ -4179,12 +4619,96 @@
           </a:p>
         </p:txBody>
       </p:sp>
+      <p:sp>
+        <p:nvSpPr>
+          <p:cNvPr id="6" name="TextBox 5">
+            <a:extLst>
+              <a:ext uri="{FF2B5EF4-FFF2-40B4-BE49-F238E27FC236}">
+                <a16:creationId xmlns:a16="http://schemas.microsoft.com/office/drawing/2014/main" id="{5552D359-0D67-4E78-9E58-3E63966043BF}"/>
+              </a:ext>
+            </a:extLst>
+          </p:cNvPr>
+          <p:cNvSpPr txBox="1"/>
+          <p:nvPr/>
+        </p:nvSpPr>
+        <p:spPr>
+          <a:xfrm>
+            <a:off x="838200" y="4504888"/>
+            <a:ext cx="10322653" cy="1477328"/>
+          </a:xfrm>
+          <a:prstGeom prst="rect">
+            <a:avLst/>
+          </a:prstGeom>
+          <a:noFill/>
+        </p:spPr>
+        <p:txBody>
+          <a:bodyPr wrap="square" rtlCol="0">
+            <a:spAutoFit/>
+          </a:bodyPr>
+          <a:lstStyle/>
+          <a:p>
+            <a:r>
+              <a:rPr lang="ru-RU" dirty="0"/>
+              <a:t>Традиционный для розницы провал в феврале и в апреле</a:t>
+            </a:r>
+            <a:endParaRPr lang="en-US" dirty="0"/>
+          </a:p>
+          <a:p>
+            <a:r>
+              <a:rPr lang="ru-RU" dirty="0"/>
+              <a:t>Точки роста для этого периода:</a:t>
+            </a:r>
+          </a:p>
+          <a:p>
+            <a:pPr marL="285750" indent="-285750">
+              <a:buFont typeface="Arial" panose="020B0604020202020204" pitchFamily="34" charset="0"/>
+              <a:buChar char="•"/>
+            </a:pPr>
+            <a:r>
+              <a:rPr lang="ru-RU" dirty="0" err="1"/>
+              <a:t>Увеличеить</a:t>
+            </a:r>
+            <a:r>
+              <a:rPr lang="ru-RU" dirty="0"/>
+              <a:t> количество штук на артикул в чеке </a:t>
+            </a:r>
+          </a:p>
+          <a:p>
+            <a:pPr marL="285750" indent="-285750">
+              <a:buFont typeface="Arial" panose="020B0604020202020204" pitchFamily="34" charset="0"/>
+              <a:buChar char="•"/>
+            </a:pPr>
+            <a:r>
+              <a:rPr lang="ru-RU" dirty="0"/>
+              <a:t>Стимулировать новых пользователей в этих месяцах на дополнительные покупки</a:t>
+            </a:r>
+          </a:p>
+          <a:p>
+            <a:pPr marL="285750" indent="-285750">
+              <a:buFont typeface="Arial" panose="020B0604020202020204" pitchFamily="34" charset="0"/>
+              <a:buChar char="•"/>
+            </a:pPr>
+            <a:r>
+              <a:rPr lang="ru-RU" dirty="0"/>
+              <a:t>Увеличить </a:t>
+            </a:r>
+            <a:r>
+              <a:rPr lang="en-US" dirty="0"/>
+              <a:t>return rate </a:t>
+            </a:r>
+            <a:r>
+              <a:rPr lang="ru-RU" dirty="0"/>
+              <a:t>для пользователей, которые пришли в ноябре/декабре</a:t>
+            </a:r>
+          </a:p>
+        </p:txBody>
+      </p:sp>
       <p:pic>
         <p:nvPicPr>
-          <p:cNvPr id="4" name="Объект 3">
-            <a:extLst>
-              <a:ext uri="{FF2B5EF4-FFF2-40B4-BE49-F238E27FC236}">
-                <a16:creationId xmlns:a16="http://schemas.microsoft.com/office/drawing/2014/main" id="{5C54A265-8AE1-4903-8D88-0D8F2E44E9A8}"/>
+          <p:cNvPr id="8" name="Объект 7">
+            <a:extLst>
+              <a:ext uri="{FF2B5EF4-FFF2-40B4-BE49-F238E27FC236}">
+                <a16:creationId xmlns:a16="http://schemas.microsoft.com/office/drawing/2014/main" id="{B5067721-C1C0-4655-9FCA-9D0B1D1F8938}"/>
               </a:ext>
             </a:extLst>
           </p:cNvPr>
@@ -4203,8 +4727,8 @@
         </p:blipFill>
         <p:spPr>
           <a:xfrm>
-            <a:off x="1957387" y="2423319"/>
-            <a:ext cx="8277225" cy="3181350"/>
+            <a:off x="1479957" y="1301672"/>
+            <a:ext cx="8754612" cy="2705254"/>
           </a:xfrm>
           <a:prstGeom prst="rect">
             <a:avLst/>
@@ -4742,4 +5266,299 @@
     </a:ext>
   </a:extLst>
 </a:theme>
+</file>
+
+<file path=ppt/theme/theme2.xml><?xml version="1.0" encoding="utf-8"?>
+<a:theme xmlns:a="http://schemas.openxmlformats.org/drawingml/2006/main" name="Тема Office">
+  <a:themeElements>
+    <a:clrScheme name="Стандартная">
+      <a:dk1>
+        <a:sysClr val="windowText" lastClr="000000"/>
+      </a:dk1>
+      <a:lt1>
+        <a:sysClr val="window" lastClr="FFFFFF"/>
+      </a:lt1>
+      <a:dk2>
+        <a:srgbClr val="44546A"/>
+      </a:dk2>
+      <a:lt2>
+        <a:srgbClr val="E7E6E6"/>
+      </a:lt2>
+      <a:accent1>
+        <a:srgbClr val="4472C4"/>
+      </a:accent1>
+      <a:accent2>
+        <a:srgbClr val="ED7D31"/>
+      </a:accent2>
+      <a:accent3>
+        <a:srgbClr val="A5A5A5"/>
+      </a:accent3>
+      <a:accent4>
+        <a:srgbClr val="FFC000"/>
+      </a:accent4>
+      <a:accent5>
+        <a:srgbClr val="5B9BD5"/>
+      </a:accent5>
+      <a:accent6>
+        <a:srgbClr val="70AD47"/>
+      </a:accent6>
+      <a:hlink>
+        <a:srgbClr val="0563C1"/>
+      </a:hlink>
+      <a:folHlink>
+        <a:srgbClr val="954F72"/>
+      </a:folHlink>
+    </a:clrScheme>
+    <a:fontScheme name="Стандартная">
+      <a:majorFont>
+        <a:latin typeface="Calibri Light" panose="020F0302020204030204"/>
+        <a:ea typeface=""/>
+        <a:cs typeface=""/>
+        <a:font script="Jpan" typeface="游ゴシック Light"/>
+        <a:font script="Hang" typeface="맑은 고딕"/>
+        <a:font script="Hans" typeface="等线 Light"/>
+        <a:font script="Hant" typeface="新細明體"/>
+        <a:font script="Arab" typeface="Times New Roman"/>
+        <a:font script="Hebr" typeface="Times New Roman"/>
+        <a:font script="Thai" typeface="Angsana New"/>
+        <a:font script="Ethi" typeface="Nyala"/>
+        <a:font script="Beng" typeface="Vrinda"/>
+        <a:font script="Gujr" typeface="Shruti"/>
+        <a:font script="Khmr" typeface="MoolBoran"/>
+        <a:font script="Knda" typeface="Tunga"/>
+        <a:font script="Guru" typeface="Raavi"/>
+        <a:font script="Cans" typeface="Euphemia"/>
+        <a:font script="Cher" typeface="Plantagenet Cherokee"/>
+        <a:font script="Yiii" typeface="Microsoft Yi Baiti"/>
+        <a:font script="Tibt" typeface="Microsoft Himalaya"/>
+        <a:font script="Thaa" typeface="MV Boli"/>
+        <a:font script="Deva" typeface="Mangal"/>
+        <a:font script="Telu" typeface="Gautami"/>
+        <a:font script="Taml" typeface="Latha"/>
+        <a:font script="Syrc" typeface="Estrangelo Edessa"/>
+        <a:font script="Orya" typeface="Kalinga"/>
+        <a:font script="Mlym" typeface="Kartika"/>
+        <a:font script="Laoo" typeface="DokChampa"/>
+        <a:font script="Sinh" typeface="Iskoola Pota"/>
+        <a:font script="Mong" typeface="Mongolian Baiti"/>
+        <a:font script="Viet" typeface="Times New Roman"/>
+        <a:font script="Uigh" typeface="Microsoft Uighur"/>
+        <a:font script="Geor" typeface="Sylfaen"/>
+        <a:font script="Armn" typeface="Arial"/>
+        <a:font script="Bugi" typeface="Leelawadee UI"/>
+        <a:font script="Bopo" typeface="Microsoft JhengHei"/>
+        <a:font script="Java" typeface="Javanese Text"/>
+        <a:font script="Lisu" typeface="Segoe UI"/>
+        <a:font script="Mymr" typeface="Myanmar Text"/>
+        <a:font script="Nkoo" typeface="Ebrima"/>
+        <a:font script="Olck" typeface="Nirmala UI"/>
+        <a:font script="Osma" typeface="Ebrima"/>
+        <a:font script="Phag" typeface="Phagspa"/>
+        <a:font script="Syrn" typeface="Estrangelo Edessa"/>
+        <a:font script="Syrj" typeface="Estrangelo Edessa"/>
+        <a:font script="Syre" typeface="Estrangelo Edessa"/>
+        <a:font script="Sora" typeface="Nirmala UI"/>
+        <a:font script="Tale" typeface="Microsoft Tai Le"/>
+        <a:font script="Talu" typeface="Microsoft New Tai Lue"/>
+        <a:font script="Tfng" typeface="Ebrima"/>
+      </a:majorFont>
+      <a:minorFont>
+        <a:latin typeface="Calibri" panose="020F0502020204030204"/>
+        <a:ea typeface=""/>
+        <a:cs typeface=""/>
+        <a:font script="Jpan" typeface="游ゴシック"/>
+        <a:font script="Hang" typeface="맑은 고딕"/>
+        <a:font script="Hans" typeface="等线"/>
+        <a:font script="Hant" typeface="新細明體"/>
+        <a:font script="Arab" typeface="Arial"/>
+        <a:font script="Hebr" typeface="Arial"/>
+        <a:font script="Thai" typeface="Cordia New"/>
+        <a:font script="Ethi" typeface="Nyala"/>
+        <a:font script="Beng" typeface="Vrinda"/>
+        <a:font script="Gujr" typeface="Shruti"/>
+        <a:font script="Khmr" typeface="DaunPenh"/>
+        <a:font script="Knda" typeface="Tunga"/>
+        <a:font script="Guru" typeface="Raavi"/>
+        <a:font script="Cans" typeface="Euphemia"/>
+        <a:font script="Cher" typeface="Plantagenet Cherokee"/>
+        <a:font script="Yiii" typeface="Microsoft Yi Baiti"/>
+        <a:font script="Tibt" typeface="Microsoft Himalaya"/>
+        <a:font script="Thaa" typeface="MV Boli"/>
+        <a:font script="Deva" typeface="Mangal"/>
+        <a:font script="Telu" typeface="Gautami"/>
+        <a:font script="Taml" typeface="Latha"/>
+        <a:font script="Syrc" typeface="Estrangelo Edessa"/>
+        <a:font script="Orya" typeface="Kalinga"/>
+        <a:font script="Mlym" typeface="Kartika"/>
+        <a:font script="Laoo" typeface="DokChampa"/>
+        <a:font script="Sinh" typeface="Iskoola Pota"/>
+        <a:font script="Mong" typeface="Mongolian Baiti"/>
+        <a:font script="Viet" typeface="Arial"/>
+        <a:font script="Uigh" typeface="Microsoft Uighur"/>
+        <a:font script="Geor" typeface="Sylfaen"/>
+        <a:font script="Armn" typeface="Arial"/>
+        <a:font script="Bugi" typeface="Leelawadee UI"/>
+        <a:font script="Bopo" typeface="Microsoft JhengHei"/>
+        <a:font script="Java" typeface="Javanese Text"/>
+        <a:font script="Lisu" typeface="Segoe UI"/>
+        <a:font script="Mymr" typeface="Myanmar Text"/>
+        <a:font script="Nkoo" typeface="Ebrima"/>
+        <a:font script="Olck" typeface="Nirmala UI"/>
+        <a:font script="Osma" typeface="Ebrima"/>
+        <a:font script="Phag" typeface="Phagspa"/>
+        <a:font script="Syrn" typeface="Estrangelo Edessa"/>
+        <a:font script="Syrj" typeface="Estrangelo Edessa"/>
+        <a:font script="Syre" typeface="Estrangelo Edessa"/>
+        <a:font script="Sora" typeface="Nirmala UI"/>
+        <a:font script="Tale" typeface="Microsoft Tai Le"/>
+        <a:font script="Talu" typeface="Microsoft New Tai Lue"/>
+        <a:font script="Tfng" typeface="Ebrima"/>
+      </a:minorFont>
+    </a:fontScheme>
+    <a:fmtScheme name="Стандартная">
+      <a:fillStyleLst>
+        <a:solidFill>
+          <a:schemeClr val="phClr"/>
+        </a:solidFill>
+        <a:gradFill rotWithShape="1">
+          <a:gsLst>
+            <a:gs pos="0">
+              <a:schemeClr val="phClr">
+                <a:lumMod val="110000"/>
+                <a:satMod val="105000"/>
+                <a:tint val="67000"/>
+              </a:schemeClr>
+            </a:gs>
+            <a:gs pos="50000">
+              <a:schemeClr val="phClr">
+                <a:lumMod val="105000"/>
+                <a:satMod val="103000"/>
+                <a:tint val="73000"/>
+              </a:schemeClr>
+            </a:gs>
+            <a:gs pos="100000">
+              <a:schemeClr val="phClr">
+                <a:lumMod val="105000"/>
+                <a:satMod val="109000"/>
+                <a:tint val="81000"/>
+              </a:schemeClr>
+            </a:gs>
+          </a:gsLst>
+          <a:lin ang="5400000" scaled="0"/>
+        </a:gradFill>
+        <a:gradFill rotWithShape="1">
+          <a:gsLst>
+            <a:gs pos="0">
+              <a:schemeClr val="phClr">
+                <a:satMod val="103000"/>
+                <a:lumMod val="102000"/>
+                <a:tint val="94000"/>
+              </a:schemeClr>
+            </a:gs>
+            <a:gs pos="50000">
+              <a:schemeClr val="phClr">
+                <a:satMod val="110000"/>
+                <a:lumMod val="100000"/>
+                <a:shade val="100000"/>
+              </a:schemeClr>
+            </a:gs>
+            <a:gs pos="100000">
+              <a:schemeClr val="phClr">
+                <a:lumMod val="99000"/>
+                <a:satMod val="120000"/>
+                <a:shade val="78000"/>
+              </a:schemeClr>
+            </a:gs>
+          </a:gsLst>
+          <a:lin ang="5400000" scaled="0"/>
+        </a:gradFill>
+      </a:fillStyleLst>
+      <a:lnStyleLst>
+        <a:ln w="6350" cap="flat" cmpd="sng" algn="ctr">
+          <a:solidFill>
+            <a:schemeClr val="phClr"/>
+          </a:solidFill>
+          <a:prstDash val="solid"/>
+          <a:miter lim="800000"/>
+        </a:ln>
+        <a:ln w="12700" cap="flat" cmpd="sng" algn="ctr">
+          <a:solidFill>
+            <a:schemeClr val="phClr"/>
+          </a:solidFill>
+          <a:prstDash val="solid"/>
+          <a:miter lim="800000"/>
+        </a:ln>
+        <a:ln w="19050" cap="flat" cmpd="sng" algn="ctr">
+          <a:solidFill>
+            <a:schemeClr val="phClr"/>
+          </a:solidFill>
+          <a:prstDash val="solid"/>
+          <a:miter lim="800000"/>
+        </a:ln>
+      </a:lnStyleLst>
+      <a:effectStyleLst>
+        <a:effectStyle>
+          <a:effectLst/>
+        </a:effectStyle>
+        <a:effectStyle>
+          <a:effectLst/>
+        </a:effectStyle>
+        <a:effectStyle>
+          <a:effectLst>
+            <a:outerShdw blurRad="57150" dist="19050" dir="5400000" algn="ctr" rotWithShape="0">
+              <a:srgbClr val="000000">
+                <a:alpha val="63000"/>
+              </a:srgbClr>
+            </a:outerShdw>
+          </a:effectLst>
+        </a:effectStyle>
+      </a:effectStyleLst>
+      <a:bgFillStyleLst>
+        <a:solidFill>
+          <a:schemeClr val="phClr"/>
+        </a:solidFill>
+        <a:solidFill>
+          <a:schemeClr val="phClr">
+            <a:tint val="95000"/>
+            <a:satMod val="170000"/>
+          </a:schemeClr>
+        </a:solidFill>
+        <a:gradFill rotWithShape="1">
+          <a:gsLst>
+            <a:gs pos="0">
+              <a:schemeClr val="phClr">
+                <a:tint val="93000"/>
+                <a:satMod val="150000"/>
+                <a:shade val="98000"/>
+                <a:lumMod val="102000"/>
+              </a:schemeClr>
+            </a:gs>
+            <a:gs pos="50000">
+              <a:schemeClr val="phClr">
+                <a:tint val="98000"/>
+                <a:satMod val="130000"/>
+                <a:shade val="90000"/>
+                <a:lumMod val="103000"/>
+              </a:schemeClr>
+            </a:gs>
+            <a:gs pos="100000">
+              <a:schemeClr val="phClr">
+                <a:shade val="63000"/>
+                <a:satMod val="120000"/>
+              </a:schemeClr>
+            </a:gs>
+          </a:gsLst>
+          <a:lin ang="5400000" scaled="0"/>
+        </a:gradFill>
+      </a:bgFillStyleLst>
+    </a:fmtScheme>
+  </a:themeElements>
+  <a:objectDefaults/>
+  <a:extraClrSchemeLst/>
+  <a:extLst>
+    <a:ext uri="{05A4C25C-085E-4340-85A3-A5531E510DB2}">
+      <thm15:themeFamily xmlns:thm15="http://schemas.microsoft.com/office/thememl/2012/main" name="Office Theme" id="{62F939B6-93AF-4DB8-9C6B-D6C7DFDC589F}" vid="{4A3C46E8-61CC-4603-A589-7422A47A8E4A}"/>
+    </a:ext>
+  </a:extLst>
+</a:theme>
 </file>